--- a/PPT/TypeScriptv6.pptx
+++ b/PPT/TypeScriptv6.pptx
@@ -5,7 +5,7 @@
     <p:sldMasterId id="2147483660" r:id="rId1"/>
   </p:sldMasterIdLst>
   <p:notesMasterIdLst>
-    <p:notesMasterId r:id="rId72"/>
+    <p:notesMasterId r:id="rId81"/>
   </p:notesMasterIdLst>
   <p:sldIdLst>
     <p:sldId id="256" r:id="rId2"/>
@@ -77,7 +77,16 @@
     <p:sldId id="426" r:id="rId68"/>
     <p:sldId id="420" r:id="rId69"/>
     <p:sldId id="427" r:id="rId70"/>
-    <p:sldId id="268" r:id="rId71"/>
+    <p:sldId id="428" r:id="rId71"/>
+    <p:sldId id="429" r:id="rId72"/>
+    <p:sldId id="430" r:id="rId73"/>
+    <p:sldId id="431" r:id="rId74"/>
+    <p:sldId id="432" r:id="rId75"/>
+    <p:sldId id="433" r:id="rId76"/>
+    <p:sldId id="434" r:id="rId77"/>
+    <p:sldId id="435" r:id="rId78"/>
+    <p:sldId id="436" r:id="rId79"/>
+    <p:sldId id="268" r:id="rId80"/>
   </p:sldIdLst>
   <p:sldSz cx="12192000" cy="6858000"/>
   <p:notesSz cx="6858000" cy="9144000"/>
@@ -266,7 +275,7 @@
           <a:p>
             <a:fld id="{39CD3BCA-8732-46CA-ADDD-C24F968DBEAF}" type="datetimeFigureOut">
               <a:rPr lang="en-GB" smtClean="0"/>
-              <a:t>17/06/2020</a:t>
+              <a:t>21/06/2020</a:t>
             </a:fld>
             <a:endParaRPr lang="en-GB"/>
           </a:p>
@@ -6442,7 +6451,7 @@
           <a:p>
             <a:fld id="{D4BA8270-C9CF-44CA-BE5A-02C2BDCCEDE4}" type="datetimeFigureOut">
               <a:rPr lang="en-GB" smtClean="0"/>
-              <a:t>17/06/2020</a:t>
+              <a:t>21/06/2020</a:t>
             </a:fld>
             <a:endParaRPr lang="en-GB"/>
           </a:p>
@@ -6693,7 +6702,7 @@
           <a:p>
             <a:fld id="{D4BA8270-C9CF-44CA-BE5A-02C2BDCCEDE4}" type="datetimeFigureOut">
               <a:rPr lang="en-GB" smtClean="0"/>
-              <a:t>17/06/2020</a:t>
+              <a:t>21/06/2020</a:t>
             </a:fld>
             <a:endParaRPr lang="en-GB"/>
           </a:p>
@@ -7007,7 +7016,7 @@
           <a:p>
             <a:fld id="{D4BA8270-C9CF-44CA-BE5A-02C2BDCCEDE4}" type="datetimeFigureOut">
               <a:rPr lang="en-GB" smtClean="0"/>
-              <a:t>17/06/2020</a:t>
+              <a:t>21/06/2020</a:t>
             </a:fld>
             <a:endParaRPr lang="en-GB"/>
           </a:p>
@@ -7348,7 +7357,7 @@
           <a:p>
             <a:fld id="{D4BA8270-C9CF-44CA-BE5A-02C2BDCCEDE4}" type="datetimeFigureOut">
               <a:rPr lang="en-GB" smtClean="0"/>
-              <a:t>17/06/2020</a:t>
+              <a:t>21/06/2020</a:t>
             </a:fld>
             <a:endParaRPr lang="en-GB"/>
           </a:p>
@@ -7662,7 +7671,7 @@
           <a:p>
             <a:fld id="{D4BA8270-C9CF-44CA-BE5A-02C2BDCCEDE4}" type="datetimeFigureOut">
               <a:rPr lang="en-GB" smtClean="0"/>
-              <a:t>17/06/2020</a:t>
+              <a:t>21/06/2020</a:t>
             </a:fld>
             <a:endParaRPr lang="en-GB"/>
           </a:p>
@@ -8055,7 +8064,7 @@
           <a:p>
             <a:fld id="{D4BA8270-C9CF-44CA-BE5A-02C2BDCCEDE4}" type="datetimeFigureOut">
               <a:rPr lang="en-GB" smtClean="0"/>
-              <a:t>17/06/2020</a:t>
+              <a:t>21/06/2020</a:t>
             </a:fld>
             <a:endParaRPr lang="en-GB"/>
           </a:p>
@@ -8225,7 +8234,7 @@
           <a:p>
             <a:fld id="{D4BA8270-C9CF-44CA-BE5A-02C2BDCCEDE4}" type="datetimeFigureOut">
               <a:rPr lang="en-GB" smtClean="0"/>
-              <a:t>17/06/2020</a:t>
+              <a:t>21/06/2020</a:t>
             </a:fld>
             <a:endParaRPr lang="en-GB"/>
           </a:p>
@@ -8405,7 +8414,7 @@
           <a:p>
             <a:fld id="{D4BA8270-C9CF-44CA-BE5A-02C2BDCCEDE4}" type="datetimeFigureOut">
               <a:rPr lang="en-GB" smtClean="0"/>
-              <a:t>17/06/2020</a:t>
+              <a:t>21/06/2020</a:t>
             </a:fld>
             <a:endParaRPr lang="en-GB"/>
           </a:p>
@@ -8581,7 +8590,7 @@
           <a:p>
             <a:fld id="{D4BA8270-C9CF-44CA-BE5A-02C2BDCCEDE4}" type="datetimeFigureOut">
               <a:rPr lang="en-GB" smtClean="0"/>
-              <a:t>17/06/2020</a:t>
+              <a:t>21/06/2020</a:t>
             </a:fld>
             <a:endParaRPr lang="en-GB"/>
           </a:p>
@@ -8828,7 +8837,7 @@
           <a:p>
             <a:fld id="{D4BA8270-C9CF-44CA-BE5A-02C2BDCCEDE4}" type="datetimeFigureOut">
               <a:rPr lang="en-GB" smtClean="0"/>
-              <a:t>17/06/2020</a:t>
+              <a:t>21/06/2020</a:t>
             </a:fld>
             <a:endParaRPr lang="en-GB"/>
           </a:p>
@@ -9060,7 +9069,7 @@
           <a:p>
             <a:fld id="{D4BA8270-C9CF-44CA-BE5A-02C2BDCCEDE4}" type="datetimeFigureOut">
               <a:rPr lang="en-GB" smtClean="0"/>
-              <a:t>17/06/2020</a:t>
+              <a:t>21/06/2020</a:t>
             </a:fld>
             <a:endParaRPr lang="en-GB"/>
           </a:p>
@@ -9434,7 +9443,7 @@
           <a:p>
             <a:fld id="{D4BA8270-C9CF-44CA-BE5A-02C2BDCCEDE4}" type="datetimeFigureOut">
               <a:rPr lang="en-GB" smtClean="0"/>
-              <a:t>17/06/2020</a:t>
+              <a:t>21/06/2020</a:t>
             </a:fld>
             <a:endParaRPr lang="en-GB"/>
           </a:p>
@@ -9557,7 +9566,7 @@
           <a:p>
             <a:fld id="{D4BA8270-C9CF-44CA-BE5A-02C2BDCCEDE4}" type="datetimeFigureOut">
               <a:rPr lang="en-GB" smtClean="0"/>
-              <a:t>17/06/2020</a:t>
+              <a:t>21/06/2020</a:t>
             </a:fld>
             <a:endParaRPr lang="en-GB"/>
           </a:p>
@@ -9652,7 +9661,7 @@
           <a:p>
             <a:fld id="{D4BA8270-C9CF-44CA-BE5A-02C2BDCCEDE4}" type="datetimeFigureOut">
               <a:rPr lang="en-GB" smtClean="0"/>
-              <a:t>17/06/2020</a:t>
+              <a:t>21/06/2020</a:t>
             </a:fld>
             <a:endParaRPr lang="en-GB"/>
           </a:p>
@@ -9907,7 +9916,7 @@
           <a:p>
             <a:fld id="{D4BA8270-C9CF-44CA-BE5A-02C2BDCCEDE4}" type="datetimeFigureOut">
               <a:rPr lang="en-GB" smtClean="0"/>
-              <a:t>17/06/2020</a:t>
+              <a:t>21/06/2020</a:t>
             </a:fld>
             <a:endParaRPr lang="en-GB"/>
           </a:p>
@@ -10170,7 +10179,7 @@
           <a:p>
             <a:fld id="{D4BA8270-C9CF-44CA-BE5A-02C2BDCCEDE4}" type="datetimeFigureOut">
               <a:rPr lang="en-GB" smtClean="0"/>
-              <a:t>17/06/2020</a:t>
+              <a:t>21/06/2020</a:t>
             </a:fld>
             <a:endParaRPr lang="en-GB"/>
           </a:p>
@@ -10913,7 +10922,7 @@
           <a:p>
             <a:fld id="{D4BA8270-C9CF-44CA-BE5A-02C2BDCCEDE4}" type="datetimeFigureOut">
               <a:rPr lang="en-GB" smtClean="0"/>
-              <a:t>17/06/2020</a:t>
+              <a:t>21/06/2020</a:t>
             </a:fld>
             <a:endParaRPr lang="en-GB"/>
           </a:p>
@@ -35388,7 +35397,7 @@
           <a:graphicData uri="http://schemas.openxmlformats.org/presentationml/2006/ole">
             <mc:AlternateContent xmlns:mc="http://schemas.openxmlformats.org/markup-compatibility/2006">
               <mc:Choice xmlns:v="urn:schemas-microsoft-com:vml" Requires="v">
-                <p:oleObj spid="_x0000_s1039" name="Документ" showAsIcon="1" r:id="rId3" imgW="914400" imgH="792360" progId="Word.Document.12">
+                <p:oleObj spid="_x0000_s1048" name="Документ" showAsIcon="1" r:id="rId3" imgW="914400" imgH="792360" progId="Word.Document.12">
                   <p:embed/>
                 </p:oleObj>
               </mc:Choice>
@@ -37512,11 +37521,7 @@
           <a:p>
             <a:r>
               <a:rPr lang="en-IN" dirty="0" smtClean="0"/>
-              <a:t>Section </a:t>
-            </a:r>
-            <a:r>
-              <a:rPr lang="en-IN" dirty="0" smtClean="0"/>
-              <a:t>-6 -:</a:t>
+              <a:t>Section -6 -:</a:t>
             </a:r>
             <a:r>
               <a:rPr lang="en-GB" b="1" dirty="0"/>
@@ -38581,6 +38586,1314 @@
       </p:grpSpPr>
       <p:sp>
         <p:nvSpPr>
+          <p:cNvPr id="2" name="Title 1"/>
+          <p:cNvSpPr>
+            <a:spLocks noGrp="1"/>
+          </p:cNvSpPr>
+          <p:nvPr>
+            <p:ph type="title"/>
+          </p:nvPr>
+        </p:nvSpPr>
+        <p:spPr>
+          <a:xfrm>
+            <a:off x="446674" y="74141"/>
+            <a:ext cx="8596668" cy="518984"/>
+          </a:xfrm>
+        </p:spPr>
+        <p:txBody>
+          <a:bodyPr>
+            <a:normAutofit fontScale="90000"/>
+          </a:bodyPr>
+          <a:lstStyle/>
+          <a:p>
+            <a:r>
+              <a:rPr lang="en-IN" dirty="0" smtClean="0"/>
+              <a:t>Intersection Types</a:t>
+            </a:r>
+            <a:endParaRPr lang="en-GB" dirty="0"/>
+          </a:p>
+        </p:txBody>
+      </p:sp>
+      <p:sp>
+        <p:nvSpPr>
+          <p:cNvPr id="3" name="Content Placeholder 2"/>
+          <p:cNvSpPr>
+            <a:spLocks noGrp="1"/>
+          </p:cNvSpPr>
+          <p:nvPr>
+            <p:ph idx="1"/>
+          </p:nvPr>
+        </p:nvSpPr>
+        <p:spPr>
+          <a:xfrm>
+            <a:off x="677334" y="724931"/>
+            <a:ext cx="8596668" cy="5316432"/>
+          </a:xfrm>
+        </p:spPr>
+        <p:txBody>
+          <a:bodyPr>
+            <a:normAutofit/>
+          </a:bodyPr>
+          <a:lstStyle/>
+          <a:p>
+            <a:r>
+              <a:rPr lang="en-IN" dirty="0" smtClean="0"/>
+              <a:t>Intersection types allow us to combine other types</a:t>
+            </a:r>
+            <a:endParaRPr lang="en-GB" dirty="0" smtClean="0"/>
+          </a:p>
+          <a:p>
+            <a:r>
+              <a:rPr lang="en-GB" dirty="0" smtClean="0"/>
+              <a:t>When used with types it combines them</a:t>
+            </a:r>
+          </a:p>
+          <a:p>
+            <a:r>
+              <a:rPr lang="en-GB" dirty="0" smtClean="0"/>
+              <a:t>It can be used with other types in addition to objects in that case it saves the intersection of the types.</a:t>
+            </a:r>
+          </a:p>
+          <a:p>
+            <a:r>
+              <a:rPr lang="en-GB" dirty="0" smtClean="0"/>
+              <a:t>We use &amp; symbol for intersection types</a:t>
+            </a:r>
+          </a:p>
+          <a:p>
+            <a:r>
+              <a:rPr lang="en-IN" dirty="0" smtClean="0"/>
+              <a:t>We can intersect interfaces to a type</a:t>
+            </a:r>
+          </a:p>
+          <a:p>
+            <a:r>
+              <a:rPr lang="en-IN" dirty="0"/>
+              <a:t>It is important to notice that when you intersect types order does not matter</a:t>
+            </a:r>
+            <a:r>
+              <a:rPr lang="en-IN" dirty="0" smtClean="0"/>
+              <a:t>:</a:t>
+            </a:r>
+            <a:endParaRPr lang="en-IN" dirty="0"/>
+          </a:p>
+          <a:p>
+            <a:pPr lvl="1"/>
+            <a:r>
+              <a:rPr lang="en-IN" dirty="0"/>
+              <a:t>type XY = X &amp; Y;</a:t>
+            </a:r>
+          </a:p>
+          <a:p>
+            <a:pPr lvl="1"/>
+            <a:r>
+              <a:rPr lang="en-IN" dirty="0"/>
+              <a:t>type YX = Y &amp; X</a:t>
+            </a:r>
+            <a:r>
+              <a:rPr lang="en-IN" dirty="0" smtClean="0"/>
+              <a:t>;</a:t>
+            </a:r>
+            <a:endParaRPr lang="en-IN" dirty="0"/>
+          </a:p>
+          <a:p>
+            <a:r>
+              <a:rPr lang="en-IN" dirty="0" err="1"/>
+              <a:t>Both,XY</a:t>
+            </a:r>
+            <a:r>
+              <a:rPr lang="en-IN" dirty="0"/>
+              <a:t> and YX have the same properties and are almost equal</a:t>
+            </a:r>
+            <a:r>
+              <a:rPr lang="en-IN" dirty="0" smtClean="0"/>
+              <a:t>.</a:t>
+            </a:r>
+            <a:endParaRPr lang="en-IN" dirty="0"/>
+          </a:p>
+          <a:p>
+            <a:r>
+              <a:rPr lang="en-IN" dirty="0"/>
+              <a:t>Also, (X &amp; Y) &amp; Z is equivalent to X &amp; (Y &amp; Z).</a:t>
+            </a:r>
+            <a:endParaRPr lang="en-GB" dirty="0"/>
+          </a:p>
+        </p:txBody>
+      </p:sp>
+    </p:spTree>
+    <p:extLst>
+      <p:ext uri="{BB962C8B-B14F-4D97-AF65-F5344CB8AC3E}">
+        <p14:creationId xmlns:p14="http://schemas.microsoft.com/office/powerpoint/2010/main" val="904341982"/>
+      </p:ext>
+    </p:extLst>
+  </p:cSld>
+  <p:clrMapOvr>
+    <a:masterClrMapping/>
+  </p:clrMapOvr>
+</p:sld>
+</file>
+
+<file path=ppt/slides/slide71.xml><?xml version="1.0" encoding="utf-8"?>
+<p:sld xmlns:a="http://schemas.openxmlformats.org/drawingml/2006/main" xmlns:r="http://schemas.openxmlformats.org/officeDocument/2006/relationships" xmlns:p="http://schemas.openxmlformats.org/presentationml/2006/main">
+  <p:cSld>
+    <p:spTree>
+      <p:nvGrpSpPr>
+        <p:cNvPr id="1" name=""/>
+        <p:cNvGrpSpPr/>
+        <p:nvPr/>
+      </p:nvGrpSpPr>
+      <p:grpSpPr>
+        <a:xfrm>
+          <a:off x="0" y="0"/>
+          <a:ext cx="0" cy="0"/>
+          <a:chOff x="0" y="0"/>
+          <a:chExt cx="0" cy="0"/>
+        </a:xfrm>
+      </p:grpSpPr>
+      <p:sp>
+        <p:nvSpPr>
+          <p:cNvPr id="2" name="Title 1"/>
+          <p:cNvSpPr>
+            <a:spLocks noGrp="1"/>
+          </p:cNvSpPr>
+          <p:nvPr>
+            <p:ph type="title"/>
+          </p:nvPr>
+        </p:nvSpPr>
+        <p:spPr>
+          <a:xfrm>
+            <a:off x="570242" y="82378"/>
+            <a:ext cx="8596668" cy="436605"/>
+          </a:xfrm>
+        </p:spPr>
+        <p:txBody>
+          <a:bodyPr>
+            <a:normAutofit fontScale="90000"/>
+          </a:bodyPr>
+          <a:lstStyle/>
+          <a:p>
+            <a:r>
+              <a:rPr lang="en-GB" dirty="0" smtClean="0"/>
+              <a:t>Type Guards</a:t>
+            </a:r>
+            <a:endParaRPr lang="en-GB" dirty="0"/>
+          </a:p>
+        </p:txBody>
+      </p:sp>
+      <p:sp>
+        <p:nvSpPr>
+          <p:cNvPr id="3" name="Content Placeholder 2"/>
+          <p:cNvSpPr>
+            <a:spLocks noGrp="1"/>
+          </p:cNvSpPr>
+          <p:nvPr>
+            <p:ph idx="1"/>
+          </p:nvPr>
+        </p:nvSpPr>
+        <p:spPr>
+          <a:xfrm>
+            <a:off x="677334" y="823784"/>
+            <a:ext cx="8596668" cy="5217579"/>
+          </a:xfrm>
+        </p:spPr>
+        <p:txBody>
+          <a:bodyPr/>
+          <a:lstStyle/>
+          <a:p>
+            <a:r>
+              <a:rPr lang="en-GB" dirty="0" smtClean="0"/>
+              <a:t>With types like union types we get the flexibility to use more than one type simultaneously, but often we need to know exactly the type that is where type guards come to rescue.</a:t>
+            </a:r>
+          </a:p>
+          <a:p>
+            <a:r>
+              <a:rPr lang="en-GB" dirty="0" smtClean="0"/>
+              <a:t>Type guards can be written using:</a:t>
+            </a:r>
+          </a:p>
+          <a:p>
+            <a:pPr lvl="1"/>
+            <a:r>
+              <a:rPr lang="en-GB" dirty="0" err="1" smtClean="0"/>
+              <a:t>typeOf</a:t>
+            </a:r>
+            <a:r>
+              <a:rPr lang="en-GB" dirty="0" smtClean="0"/>
+              <a:t> </a:t>
+            </a:r>
+            <a:r>
+              <a:rPr lang="en-IN" dirty="0" smtClean="0"/>
+              <a:t>This works with only the types </a:t>
+            </a:r>
+            <a:r>
+              <a:rPr lang="en-IN" dirty="0" err="1" smtClean="0"/>
+              <a:t>js</a:t>
+            </a:r>
+            <a:r>
+              <a:rPr lang="en-IN" dirty="0" smtClean="0"/>
+              <a:t> knows like </a:t>
+            </a:r>
+            <a:r>
+              <a:rPr lang="en-IN" dirty="0" err="1" smtClean="0"/>
+              <a:t>Objects,string</a:t>
+            </a:r>
+            <a:r>
+              <a:rPr lang="en-IN" dirty="0" smtClean="0"/>
+              <a:t> ,number it cant work on custom types like Employee</a:t>
+            </a:r>
+          </a:p>
+          <a:p>
+            <a:pPr lvl="1"/>
+            <a:r>
+              <a:rPr lang="en-IN" dirty="0" smtClean="0"/>
+              <a:t>In keyword : syntax if(‘</a:t>
+            </a:r>
+            <a:r>
+              <a:rPr lang="en-IN" dirty="0" err="1" smtClean="0"/>
+              <a:t>PropertyName</a:t>
+            </a:r>
+            <a:r>
+              <a:rPr lang="en-IN" dirty="0" smtClean="0"/>
+              <a:t>’ in  object)</a:t>
+            </a:r>
+          </a:p>
+          <a:p>
+            <a:pPr lvl="1"/>
+            <a:r>
+              <a:rPr lang="en-IN" dirty="0" err="1" smtClean="0"/>
+              <a:t>instanceOf</a:t>
+            </a:r>
+            <a:r>
+              <a:rPr lang="en-IN" dirty="0" smtClean="0"/>
+              <a:t>  : used with classes cant be used with interfaces</a:t>
+            </a:r>
+            <a:endParaRPr lang="en-GB" dirty="0"/>
+          </a:p>
+          <a:p>
+            <a:r>
+              <a:rPr lang="en-IN" dirty="0" err="1" smtClean="0"/>
+              <a:t>InstanceOf</a:t>
+            </a:r>
+            <a:r>
+              <a:rPr lang="en-IN" dirty="0" smtClean="0"/>
+              <a:t> and </a:t>
+            </a:r>
+            <a:r>
+              <a:rPr lang="en-IN" dirty="0" err="1" smtClean="0"/>
+              <a:t>typeOf</a:t>
+            </a:r>
+            <a:r>
+              <a:rPr lang="en-IN" dirty="0" smtClean="0"/>
+              <a:t> are </a:t>
+            </a:r>
+            <a:r>
+              <a:rPr lang="en-IN" dirty="0" err="1" smtClean="0"/>
+              <a:t>js</a:t>
+            </a:r>
+            <a:r>
+              <a:rPr lang="en-IN" dirty="0" smtClean="0"/>
+              <a:t> operators .</a:t>
+            </a:r>
+            <a:r>
+              <a:rPr lang="en-IN" dirty="0" err="1" smtClean="0"/>
+              <a:t>InstanceOf</a:t>
+            </a:r>
+            <a:r>
+              <a:rPr lang="en-IN" dirty="0" smtClean="0"/>
+              <a:t> can be used with classes as classes are converted to constructor functions in </a:t>
+            </a:r>
+            <a:r>
+              <a:rPr lang="en-IN" dirty="0" err="1" smtClean="0"/>
+              <a:t>js</a:t>
+            </a:r>
+            <a:r>
+              <a:rPr lang="en-IN" dirty="0" smtClean="0"/>
+              <a:t> and therefore </a:t>
+            </a:r>
+            <a:r>
+              <a:rPr lang="en-IN" dirty="0" err="1" smtClean="0"/>
+              <a:t>instanceOf</a:t>
+            </a:r>
+            <a:r>
+              <a:rPr lang="en-IN" dirty="0" smtClean="0"/>
+              <a:t> checks if a particular constructor function was used and can use </a:t>
+            </a:r>
+            <a:r>
+              <a:rPr lang="en-IN" dirty="0" err="1" smtClean="0"/>
+              <a:t>InstanceOf</a:t>
+            </a:r>
+            <a:r>
+              <a:rPr lang="en-IN" dirty="0" smtClean="0"/>
+              <a:t> checks .</a:t>
+            </a:r>
+          </a:p>
+          <a:p>
+            <a:r>
+              <a:rPr lang="en-IN" dirty="0" smtClean="0"/>
+              <a:t>Interfaces don’t exist in </a:t>
+            </a:r>
+            <a:r>
+              <a:rPr lang="en-IN" dirty="0" err="1" smtClean="0"/>
+              <a:t>js</a:t>
+            </a:r>
+            <a:r>
+              <a:rPr lang="en-IN" dirty="0" smtClean="0"/>
+              <a:t> world so </a:t>
+            </a:r>
+            <a:r>
+              <a:rPr lang="en-IN" dirty="0" err="1" smtClean="0"/>
+              <a:t>instanceOf</a:t>
+            </a:r>
+            <a:r>
+              <a:rPr lang="en-IN" dirty="0" smtClean="0"/>
+              <a:t> cant be used with Interfaces</a:t>
+            </a:r>
+          </a:p>
+        </p:txBody>
+      </p:sp>
+    </p:spTree>
+    <p:extLst>
+      <p:ext uri="{BB962C8B-B14F-4D97-AF65-F5344CB8AC3E}">
+        <p14:creationId xmlns:p14="http://schemas.microsoft.com/office/powerpoint/2010/main" val="3596771914"/>
+      </p:ext>
+    </p:extLst>
+  </p:cSld>
+  <p:clrMapOvr>
+    <a:masterClrMapping/>
+  </p:clrMapOvr>
+</p:sld>
+</file>
+
+<file path=ppt/slides/slide72.xml><?xml version="1.0" encoding="utf-8"?>
+<p:sld xmlns:a="http://schemas.openxmlformats.org/drawingml/2006/main" xmlns:r="http://schemas.openxmlformats.org/officeDocument/2006/relationships" xmlns:p="http://schemas.openxmlformats.org/presentationml/2006/main">
+  <p:cSld>
+    <p:spTree>
+      <p:nvGrpSpPr>
+        <p:cNvPr id="1" name=""/>
+        <p:cNvGrpSpPr/>
+        <p:nvPr/>
+      </p:nvGrpSpPr>
+      <p:grpSpPr>
+        <a:xfrm>
+          <a:off x="0" y="0"/>
+          <a:ext cx="0" cy="0"/>
+          <a:chOff x="0" y="0"/>
+          <a:chExt cx="0" cy="0"/>
+        </a:xfrm>
+      </p:grpSpPr>
+      <p:sp>
+        <p:nvSpPr>
+          <p:cNvPr id="2" name="Title 1"/>
+          <p:cNvSpPr>
+            <a:spLocks noGrp="1"/>
+          </p:cNvSpPr>
+          <p:nvPr>
+            <p:ph type="title"/>
+          </p:nvPr>
+        </p:nvSpPr>
+        <p:spPr>
+          <a:xfrm>
+            <a:off x="677334" y="82378"/>
+            <a:ext cx="8596668" cy="584886"/>
+          </a:xfrm>
+        </p:spPr>
+        <p:txBody>
+          <a:bodyPr>
+            <a:normAutofit fontScale="90000"/>
+          </a:bodyPr>
+          <a:lstStyle/>
+          <a:p>
+            <a:r>
+              <a:rPr lang="en-GB" dirty="0"/>
+              <a:t> Discriminated Unions</a:t>
+            </a:r>
+            <a:endParaRPr lang="en-GB" dirty="0"/>
+          </a:p>
+        </p:txBody>
+      </p:sp>
+      <p:sp>
+        <p:nvSpPr>
+          <p:cNvPr id="3" name="Content Placeholder 2"/>
+          <p:cNvSpPr>
+            <a:spLocks noGrp="1"/>
+          </p:cNvSpPr>
+          <p:nvPr>
+            <p:ph idx="1"/>
+          </p:nvPr>
+        </p:nvSpPr>
+        <p:spPr>
+          <a:xfrm>
+            <a:off x="677334" y="774357"/>
+            <a:ext cx="8596668" cy="5267005"/>
+          </a:xfrm>
+        </p:spPr>
+        <p:txBody>
+          <a:bodyPr/>
+          <a:lstStyle/>
+          <a:p>
+            <a:r>
+              <a:rPr lang="en-GB" dirty="0"/>
+              <a:t> Discriminated </a:t>
+            </a:r>
+            <a:r>
+              <a:rPr lang="en-GB" dirty="0" smtClean="0"/>
+              <a:t>Unions helps us with type guards.</a:t>
+            </a:r>
+          </a:p>
+          <a:p>
+            <a:r>
+              <a:rPr lang="en-IN" dirty="0" smtClean="0"/>
+              <a:t>It is a pattern that can be used when working with union types and makes implementing type guards easier.</a:t>
+            </a:r>
+          </a:p>
+          <a:p>
+            <a:r>
+              <a:rPr lang="en-IN" dirty="0" smtClean="0"/>
+              <a:t>It is available when working with Objects</a:t>
+            </a:r>
+          </a:p>
+          <a:p>
+            <a:r>
+              <a:rPr lang="en-IN" dirty="0" smtClean="0"/>
+              <a:t>It also works with interfaces</a:t>
+            </a:r>
+          </a:p>
+          <a:p>
+            <a:r>
+              <a:rPr lang="en-IN" dirty="0" smtClean="0"/>
+              <a:t>We create a discriminating property that discriminates one type from another</a:t>
+            </a:r>
+          </a:p>
+        </p:txBody>
+      </p:sp>
+    </p:spTree>
+    <p:extLst>
+      <p:ext uri="{BB962C8B-B14F-4D97-AF65-F5344CB8AC3E}">
+        <p14:creationId xmlns:p14="http://schemas.microsoft.com/office/powerpoint/2010/main" val="1898854049"/>
+      </p:ext>
+    </p:extLst>
+  </p:cSld>
+  <p:clrMapOvr>
+    <a:masterClrMapping/>
+  </p:clrMapOvr>
+</p:sld>
+</file>
+
+<file path=ppt/slides/slide73.xml><?xml version="1.0" encoding="utf-8"?>
+<p:sld xmlns:a="http://schemas.openxmlformats.org/drawingml/2006/main" xmlns:r="http://schemas.openxmlformats.org/officeDocument/2006/relationships" xmlns:p="http://schemas.openxmlformats.org/presentationml/2006/main">
+  <p:cSld>
+    <p:spTree>
+      <p:nvGrpSpPr>
+        <p:cNvPr id="1" name=""/>
+        <p:cNvGrpSpPr/>
+        <p:nvPr/>
+      </p:nvGrpSpPr>
+      <p:grpSpPr>
+        <a:xfrm>
+          <a:off x="0" y="0"/>
+          <a:ext cx="0" cy="0"/>
+          <a:chOff x="0" y="0"/>
+          <a:chExt cx="0" cy="0"/>
+        </a:xfrm>
+      </p:grpSpPr>
+      <p:sp>
+        <p:nvSpPr>
+          <p:cNvPr id="2" name="Title 1"/>
+          <p:cNvSpPr>
+            <a:spLocks noGrp="1"/>
+          </p:cNvSpPr>
+          <p:nvPr>
+            <p:ph type="title"/>
+          </p:nvPr>
+        </p:nvSpPr>
+        <p:spPr>
+          <a:xfrm>
+            <a:off x="545528" y="140043"/>
+            <a:ext cx="8596668" cy="551935"/>
+          </a:xfrm>
+        </p:spPr>
+        <p:txBody>
+          <a:bodyPr>
+            <a:normAutofit fontScale="90000"/>
+          </a:bodyPr>
+          <a:lstStyle/>
+          <a:p>
+            <a:r>
+              <a:rPr lang="en-GB" dirty="0"/>
+              <a:t> Type Casting</a:t>
+            </a:r>
+            <a:endParaRPr lang="en-GB" dirty="0"/>
+          </a:p>
+        </p:txBody>
+      </p:sp>
+      <p:sp>
+        <p:nvSpPr>
+          <p:cNvPr id="3" name="Content Placeholder 2"/>
+          <p:cNvSpPr>
+            <a:spLocks noGrp="1"/>
+          </p:cNvSpPr>
+          <p:nvPr>
+            <p:ph idx="1"/>
+          </p:nvPr>
+        </p:nvSpPr>
+        <p:spPr>
+          <a:xfrm>
+            <a:off x="677334" y="840259"/>
+            <a:ext cx="8596668" cy="5201103"/>
+          </a:xfrm>
+        </p:spPr>
+        <p:txBody>
+          <a:bodyPr/>
+          <a:lstStyle/>
+          <a:p>
+            <a:r>
+              <a:rPr lang="en-GB" dirty="0"/>
+              <a:t> Type </a:t>
+            </a:r>
+            <a:r>
+              <a:rPr lang="en-GB" dirty="0" smtClean="0"/>
+              <a:t>Casting is a technique to explicitly tell Ts that a particular variable will be of a particular type when TS is not able to determine it</a:t>
+            </a:r>
+          </a:p>
+          <a:p>
+            <a:r>
+              <a:rPr lang="en-IN" dirty="0" smtClean="0"/>
+              <a:t>There are two syntax possible for type casting:</a:t>
+            </a:r>
+          </a:p>
+          <a:p>
+            <a:pPr lvl="1"/>
+            <a:r>
+              <a:rPr lang="en-IN" dirty="0" smtClean="0"/>
+              <a:t>&lt;Type&gt; : this is added at the beginning of the value to be casted</a:t>
+            </a:r>
+          </a:p>
+          <a:p>
+            <a:pPr lvl="1"/>
+            <a:r>
+              <a:rPr lang="en-IN" dirty="0" smtClean="0"/>
+              <a:t>as Type  :this is added at the end of the value to be casted</a:t>
+            </a:r>
+            <a:endParaRPr lang="en-GB" dirty="0"/>
+          </a:p>
+        </p:txBody>
+      </p:sp>
+    </p:spTree>
+    <p:extLst>
+      <p:ext uri="{BB962C8B-B14F-4D97-AF65-F5344CB8AC3E}">
+        <p14:creationId xmlns:p14="http://schemas.microsoft.com/office/powerpoint/2010/main" val="846072009"/>
+      </p:ext>
+    </p:extLst>
+  </p:cSld>
+  <p:clrMapOvr>
+    <a:masterClrMapping/>
+  </p:clrMapOvr>
+</p:sld>
+</file>
+
+<file path=ppt/slides/slide74.xml><?xml version="1.0" encoding="utf-8"?>
+<p:sld xmlns:a="http://schemas.openxmlformats.org/drawingml/2006/main" xmlns:r="http://schemas.openxmlformats.org/officeDocument/2006/relationships" xmlns:p="http://schemas.openxmlformats.org/presentationml/2006/main">
+  <p:cSld>
+    <p:spTree>
+      <p:nvGrpSpPr>
+        <p:cNvPr id="1" name=""/>
+        <p:cNvGrpSpPr/>
+        <p:nvPr/>
+      </p:nvGrpSpPr>
+      <p:grpSpPr>
+        <a:xfrm>
+          <a:off x="0" y="0"/>
+          <a:ext cx="0" cy="0"/>
+          <a:chOff x="0" y="0"/>
+          <a:chExt cx="0" cy="0"/>
+        </a:xfrm>
+      </p:grpSpPr>
+      <p:sp>
+        <p:nvSpPr>
+          <p:cNvPr id="2" name="Title 1"/>
+          <p:cNvSpPr>
+            <a:spLocks noGrp="1"/>
+          </p:cNvSpPr>
+          <p:nvPr>
+            <p:ph type="title"/>
+          </p:nvPr>
+        </p:nvSpPr>
+        <p:spPr>
+          <a:xfrm>
+            <a:off x="504339" y="131806"/>
+            <a:ext cx="8596668" cy="650789"/>
+          </a:xfrm>
+        </p:spPr>
+        <p:txBody>
+          <a:bodyPr>
+            <a:normAutofit fontScale="90000"/>
+          </a:bodyPr>
+          <a:lstStyle/>
+          <a:p>
+            <a:r>
+              <a:rPr lang="en-GB" dirty="0"/>
+              <a:t>Index Properties</a:t>
+            </a:r>
+            <a:br>
+              <a:rPr lang="en-GB" dirty="0"/>
+            </a:br>
+            <a:endParaRPr lang="en-GB" dirty="0"/>
+          </a:p>
+        </p:txBody>
+      </p:sp>
+      <p:sp>
+        <p:nvSpPr>
+          <p:cNvPr id="3" name="Content Placeholder 2"/>
+          <p:cNvSpPr>
+            <a:spLocks noGrp="1"/>
+          </p:cNvSpPr>
+          <p:nvPr>
+            <p:ph idx="1"/>
+          </p:nvPr>
+        </p:nvSpPr>
+        <p:spPr>
+          <a:xfrm>
+            <a:off x="677334" y="724931"/>
+            <a:ext cx="8596668" cy="5316432"/>
+          </a:xfrm>
+        </p:spPr>
+        <p:txBody>
+          <a:bodyPr/>
+          <a:lstStyle/>
+          <a:p>
+            <a:r>
+              <a:rPr lang="en-IN" dirty="0" smtClean="0"/>
+              <a:t>Index properties gives us a flexibility to define an object where we are not sure in advanced what the name of properties will be and how many properties will be there</a:t>
+            </a:r>
+          </a:p>
+          <a:p>
+            <a:r>
+              <a:rPr lang="en-IN" dirty="0" smtClean="0"/>
+              <a:t>Syntax :</a:t>
+            </a:r>
+          </a:p>
+          <a:p>
+            <a:pPr lvl="1"/>
+            <a:r>
+              <a:rPr lang="en-IN" dirty="0" smtClean="0"/>
+              <a:t>[</a:t>
+            </a:r>
+            <a:r>
+              <a:rPr lang="en-IN" dirty="0" err="1" smtClean="0"/>
+              <a:t>anyNme</a:t>
+            </a:r>
+            <a:r>
+              <a:rPr lang="en-IN" dirty="0" smtClean="0"/>
+              <a:t> :type for </a:t>
+            </a:r>
+            <a:r>
+              <a:rPr lang="en-IN" dirty="0" err="1" smtClean="0"/>
+              <a:t>propertyName</a:t>
+            </a:r>
+            <a:r>
+              <a:rPr lang="en-IN" dirty="0" smtClean="0"/>
+              <a:t>] : Value Type</a:t>
+            </a:r>
+          </a:p>
+          <a:p>
+            <a:r>
+              <a:rPr lang="en-IN" dirty="0" smtClean="0"/>
+              <a:t>We can add normal properties as well but they should satisfy the Index type definition too</a:t>
+            </a:r>
+          </a:p>
+          <a:p>
+            <a:r>
+              <a:rPr lang="en-IN" dirty="0" smtClean="0"/>
+              <a:t>For type of </a:t>
+            </a:r>
+            <a:r>
+              <a:rPr lang="en-IN" dirty="0" err="1" smtClean="0"/>
+              <a:t>propertyName</a:t>
+            </a:r>
+            <a:r>
+              <a:rPr lang="en-IN" dirty="0" smtClean="0"/>
+              <a:t> we can use strings ,numbers ,symbols </a:t>
+            </a:r>
+            <a:r>
+              <a:rPr lang="en-IN" dirty="0" err="1" smtClean="0"/>
+              <a:t>etc</a:t>
+            </a:r>
+            <a:r>
+              <a:rPr lang="en-IN" dirty="0" smtClean="0"/>
+              <a:t> but not something like </a:t>
+            </a:r>
+            <a:r>
+              <a:rPr lang="en-IN" dirty="0" err="1" smtClean="0"/>
+              <a:t>boolean</a:t>
+            </a:r>
+            <a:endParaRPr lang="en-IN" dirty="0" smtClean="0"/>
+          </a:p>
+          <a:p>
+            <a:r>
+              <a:rPr lang="en-IN" dirty="0" smtClean="0"/>
+              <a:t>If we define the property name to be of type string we can use string ,number </a:t>
+            </a:r>
+            <a:r>
+              <a:rPr lang="en-IN" dirty="0" err="1" smtClean="0"/>
+              <a:t>etc</a:t>
+            </a:r>
+            <a:r>
+              <a:rPr lang="en-IN" dirty="0" smtClean="0"/>
+              <a:t> anything that can eventually be converted to a string.</a:t>
+            </a:r>
+            <a:endParaRPr lang="en-GB" dirty="0"/>
+          </a:p>
+        </p:txBody>
+      </p:sp>
+    </p:spTree>
+    <p:extLst>
+      <p:ext uri="{BB962C8B-B14F-4D97-AF65-F5344CB8AC3E}">
+        <p14:creationId xmlns:p14="http://schemas.microsoft.com/office/powerpoint/2010/main" val="769349058"/>
+      </p:ext>
+    </p:extLst>
+  </p:cSld>
+  <p:clrMapOvr>
+    <a:masterClrMapping/>
+  </p:clrMapOvr>
+</p:sld>
+</file>
+
+<file path=ppt/slides/slide75.xml><?xml version="1.0" encoding="utf-8"?>
+<p:sld xmlns:a="http://schemas.openxmlformats.org/drawingml/2006/main" xmlns:r="http://schemas.openxmlformats.org/officeDocument/2006/relationships" xmlns:p="http://schemas.openxmlformats.org/presentationml/2006/main">
+  <p:cSld>
+    <p:spTree>
+      <p:nvGrpSpPr>
+        <p:cNvPr id="1" name=""/>
+        <p:cNvGrpSpPr/>
+        <p:nvPr/>
+      </p:nvGrpSpPr>
+      <p:grpSpPr>
+        <a:xfrm>
+          <a:off x="0" y="0"/>
+          <a:ext cx="0" cy="0"/>
+          <a:chOff x="0" y="0"/>
+          <a:chExt cx="0" cy="0"/>
+        </a:xfrm>
+      </p:grpSpPr>
+      <p:sp>
+        <p:nvSpPr>
+          <p:cNvPr id="2" name="Title 1"/>
+          <p:cNvSpPr>
+            <a:spLocks noGrp="1"/>
+          </p:cNvSpPr>
+          <p:nvPr>
+            <p:ph type="title"/>
+          </p:nvPr>
+        </p:nvSpPr>
+        <p:spPr>
+          <a:xfrm>
+            <a:off x="224253" y="90616"/>
+            <a:ext cx="8596668" cy="510746"/>
+          </a:xfrm>
+        </p:spPr>
+        <p:txBody>
+          <a:bodyPr>
+            <a:normAutofit fontScale="90000"/>
+          </a:bodyPr>
+          <a:lstStyle/>
+          <a:p>
+            <a:r>
+              <a:rPr lang="en-GB" dirty="0"/>
+              <a:t>Function Overloads</a:t>
+            </a:r>
+            <a:br>
+              <a:rPr lang="en-GB" dirty="0"/>
+            </a:br>
+            <a:endParaRPr lang="en-GB" dirty="0"/>
+          </a:p>
+        </p:txBody>
+      </p:sp>
+      <p:sp>
+        <p:nvSpPr>
+          <p:cNvPr id="3" name="Content Placeholder 2"/>
+          <p:cNvSpPr>
+            <a:spLocks noGrp="1"/>
+          </p:cNvSpPr>
+          <p:nvPr>
+            <p:ph idx="1"/>
+          </p:nvPr>
+        </p:nvSpPr>
+        <p:spPr>
+          <a:xfrm>
+            <a:off x="677334" y="724931"/>
+            <a:ext cx="8596668" cy="5316432"/>
+          </a:xfrm>
+        </p:spPr>
+        <p:txBody>
+          <a:bodyPr/>
+          <a:lstStyle/>
+          <a:p>
+            <a:r>
+              <a:rPr lang="en-IN" dirty="0" smtClean="0"/>
+              <a:t>Function overloads is a feature that allows us to define multiple signature for the same function</a:t>
+            </a:r>
+          </a:p>
+          <a:p>
+            <a:r>
+              <a:rPr lang="en-IN" dirty="0" smtClean="0"/>
+              <a:t>We can have different no of arguments(if other arguments are marked as optional), different types of arguments , different return types</a:t>
+            </a:r>
+          </a:p>
+          <a:p>
+            <a:endParaRPr lang="en-GB" dirty="0"/>
+          </a:p>
+        </p:txBody>
+      </p:sp>
+    </p:spTree>
+    <p:extLst>
+      <p:ext uri="{BB962C8B-B14F-4D97-AF65-F5344CB8AC3E}">
+        <p14:creationId xmlns:p14="http://schemas.microsoft.com/office/powerpoint/2010/main" val="3687179634"/>
+      </p:ext>
+    </p:extLst>
+  </p:cSld>
+  <p:clrMapOvr>
+    <a:masterClrMapping/>
+  </p:clrMapOvr>
+</p:sld>
+</file>
+
+<file path=ppt/slides/slide76.xml><?xml version="1.0" encoding="utf-8"?>
+<p:sld xmlns:a="http://schemas.openxmlformats.org/drawingml/2006/main" xmlns:r="http://schemas.openxmlformats.org/officeDocument/2006/relationships" xmlns:p="http://schemas.openxmlformats.org/presentationml/2006/main">
+  <p:cSld>
+    <p:spTree>
+      <p:nvGrpSpPr>
+        <p:cNvPr id="1" name=""/>
+        <p:cNvGrpSpPr/>
+        <p:nvPr/>
+      </p:nvGrpSpPr>
+      <p:grpSpPr>
+        <a:xfrm>
+          <a:off x="0" y="0"/>
+          <a:ext cx="0" cy="0"/>
+          <a:chOff x="0" y="0"/>
+          <a:chExt cx="0" cy="0"/>
+        </a:xfrm>
+      </p:grpSpPr>
+      <p:sp>
+        <p:nvSpPr>
+          <p:cNvPr id="2" name="Title 1"/>
+          <p:cNvSpPr>
+            <a:spLocks noGrp="1"/>
+          </p:cNvSpPr>
+          <p:nvPr>
+            <p:ph type="title"/>
+          </p:nvPr>
+        </p:nvSpPr>
+        <p:spPr>
+          <a:xfrm>
+            <a:off x="372534" y="107092"/>
+            <a:ext cx="8596668" cy="584886"/>
+          </a:xfrm>
+        </p:spPr>
+        <p:txBody>
+          <a:bodyPr>
+            <a:normAutofit fontScale="90000"/>
+          </a:bodyPr>
+          <a:lstStyle/>
+          <a:p>
+            <a:r>
+              <a:rPr lang="en-GB" dirty="0"/>
+              <a:t> Optional Chaining</a:t>
+            </a:r>
+            <a:br>
+              <a:rPr lang="en-GB" dirty="0"/>
+            </a:br>
+            <a:endParaRPr lang="en-GB" dirty="0"/>
+          </a:p>
+        </p:txBody>
+      </p:sp>
+      <p:sp>
+        <p:nvSpPr>
+          <p:cNvPr id="3" name="Content Placeholder 2"/>
+          <p:cNvSpPr>
+            <a:spLocks noGrp="1"/>
+          </p:cNvSpPr>
+          <p:nvPr>
+            <p:ph idx="1"/>
+          </p:nvPr>
+        </p:nvSpPr>
+        <p:spPr>
+          <a:xfrm>
+            <a:off x="677334" y="856735"/>
+            <a:ext cx="8596668" cy="5184627"/>
+          </a:xfrm>
+        </p:spPr>
+        <p:txBody>
+          <a:bodyPr/>
+          <a:lstStyle/>
+          <a:p>
+            <a:r>
+              <a:rPr lang="en-IN" dirty="0" smtClean="0"/>
+              <a:t>When the data we are working on is dynamic maybe coming from a backend service and </a:t>
+            </a:r>
+            <a:r>
+              <a:rPr lang="en-IN" dirty="0" err="1" smtClean="0"/>
+              <a:t>ts</a:t>
+            </a:r>
+            <a:r>
+              <a:rPr lang="en-IN" dirty="0" smtClean="0"/>
+              <a:t> has no way to judge whether certain property will exist or not , we can use the optional chaining  mechanism to avoid runtime errors.</a:t>
+            </a:r>
+          </a:p>
+          <a:p>
+            <a:r>
+              <a:rPr lang="en-IN" dirty="0" smtClean="0"/>
+              <a:t>For chained property access we can use ? To check if it exists</a:t>
+            </a:r>
+          </a:p>
+          <a:p>
+            <a:r>
+              <a:rPr lang="en-IN" dirty="0" smtClean="0"/>
+              <a:t>This is automatically translated to if checks in </a:t>
+            </a:r>
+            <a:r>
+              <a:rPr lang="en-IN" dirty="0" err="1" smtClean="0"/>
+              <a:t>js</a:t>
+            </a:r>
+            <a:endParaRPr lang="en-GB" dirty="0"/>
+          </a:p>
+        </p:txBody>
+      </p:sp>
+    </p:spTree>
+    <p:extLst>
+      <p:ext uri="{BB962C8B-B14F-4D97-AF65-F5344CB8AC3E}">
+        <p14:creationId xmlns:p14="http://schemas.microsoft.com/office/powerpoint/2010/main" val="854282572"/>
+      </p:ext>
+    </p:extLst>
+  </p:cSld>
+  <p:clrMapOvr>
+    <a:masterClrMapping/>
+  </p:clrMapOvr>
+</p:sld>
+</file>
+
+<file path=ppt/slides/slide77.xml><?xml version="1.0" encoding="utf-8"?>
+<p:sld xmlns:a="http://schemas.openxmlformats.org/drawingml/2006/main" xmlns:r="http://schemas.openxmlformats.org/officeDocument/2006/relationships" xmlns:p="http://schemas.openxmlformats.org/presentationml/2006/main">
+  <p:cSld>
+    <p:spTree>
+      <p:nvGrpSpPr>
+        <p:cNvPr id="1" name=""/>
+        <p:cNvGrpSpPr/>
+        <p:nvPr/>
+      </p:nvGrpSpPr>
+      <p:grpSpPr>
+        <a:xfrm>
+          <a:off x="0" y="0"/>
+          <a:ext cx="0" cy="0"/>
+          <a:chOff x="0" y="0"/>
+          <a:chExt cx="0" cy="0"/>
+        </a:xfrm>
+      </p:grpSpPr>
+      <p:sp>
+        <p:nvSpPr>
+          <p:cNvPr id="2" name="Title 1"/>
+          <p:cNvSpPr>
+            <a:spLocks noGrp="1"/>
+          </p:cNvSpPr>
+          <p:nvPr>
+            <p:ph type="title"/>
+          </p:nvPr>
+        </p:nvSpPr>
+        <p:spPr>
+          <a:xfrm>
+            <a:off x="553767" y="90617"/>
+            <a:ext cx="8596668" cy="551935"/>
+          </a:xfrm>
+        </p:spPr>
+        <p:txBody>
+          <a:bodyPr>
+            <a:normAutofit fontScale="90000"/>
+          </a:bodyPr>
+          <a:lstStyle/>
+          <a:p>
+            <a:r>
+              <a:rPr lang="en-GB" dirty="0"/>
+              <a:t> </a:t>
+            </a:r>
+            <a:r>
+              <a:rPr lang="en-GB" dirty="0" err="1"/>
+              <a:t>Nullish</a:t>
+            </a:r>
+            <a:r>
+              <a:rPr lang="en-GB" dirty="0"/>
+              <a:t> Coalescing</a:t>
+            </a:r>
+            <a:endParaRPr lang="en-GB" dirty="0"/>
+          </a:p>
+        </p:txBody>
+      </p:sp>
+      <p:sp>
+        <p:nvSpPr>
+          <p:cNvPr id="3" name="Content Placeholder 2"/>
+          <p:cNvSpPr>
+            <a:spLocks noGrp="1"/>
+          </p:cNvSpPr>
+          <p:nvPr>
+            <p:ph idx="1"/>
+          </p:nvPr>
+        </p:nvSpPr>
+        <p:spPr>
+          <a:xfrm>
+            <a:off x="677334" y="848497"/>
+            <a:ext cx="8596668" cy="5192865"/>
+          </a:xfrm>
+        </p:spPr>
+        <p:txBody>
+          <a:bodyPr/>
+          <a:lstStyle/>
+          <a:p>
+            <a:r>
+              <a:rPr lang="en-GB" dirty="0" err="1"/>
+              <a:t>Nullish</a:t>
+            </a:r>
+            <a:r>
+              <a:rPr lang="en-GB" dirty="0"/>
+              <a:t> </a:t>
+            </a:r>
+            <a:r>
+              <a:rPr lang="en-GB" dirty="0" smtClean="0"/>
+              <a:t>Coalescing is a feature that allows us to store a </a:t>
+            </a:r>
+            <a:r>
+              <a:rPr lang="en-GB" dirty="0" err="1" smtClean="0"/>
+              <a:t>fallback</a:t>
+            </a:r>
+            <a:r>
+              <a:rPr lang="en-GB" dirty="0" smtClean="0"/>
+              <a:t> value to a variable if the actual value is null or undefined</a:t>
+            </a:r>
+          </a:p>
+          <a:p>
+            <a:r>
+              <a:rPr lang="en-IN" dirty="0" smtClean="0"/>
+              <a:t>Although we can do it with || operator also like</a:t>
+            </a:r>
+          </a:p>
+          <a:p>
+            <a:pPr lvl="1"/>
+            <a:r>
+              <a:rPr lang="en-IN" dirty="0" err="1"/>
+              <a:t>c</a:t>
+            </a:r>
+            <a:r>
+              <a:rPr lang="en-IN" dirty="0" err="1" smtClean="0"/>
+              <a:t>onst</a:t>
+            </a:r>
+            <a:r>
+              <a:rPr lang="en-IN" dirty="0" smtClean="0"/>
+              <a:t> </a:t>
+            </a:r>
+            <a:r>
+              <a:rPr lang="en-IN" dirty="0" err="1" smtClean="0"/>
+              <a:t>storedData</a:t>
+            </a:r>
+            <a:r>
+              <a:rPr lang="en-IN" dirty="0" smtClean="0"/>
+              <a:t> = </a:t>
+            </a:r>
+            <a:r>
+              <a:rPr lang="en-IN" dirty="0" err="1" smtClean="0"/>
+              <a:t>userInput</a:t>
+            </a:r>
+            <a:r>
+              <a:rPr lang="en-IN" dirty="0" smtClean="0"/>
+              <a:t>|| ‘Default’</a:t>
+            </a:r>
+            <a:endParaRPr lang="en-GB" dirty="0" smtClean="0"/>
+          </a:p>
+          <a:p>
+            <a:r>
+              <a:rPr lang="en-IN" dirty="0" smtClean="0"/>
+              <a:t>But if </a:t>
+            </a:r>
+            <a:r>
+              <a:rPr lang="en-IN" dirty="0" err="1" smtClean="0"/>
+              <a:t>userInput</a:t>
+            </a:r>
+            <a:r>
+              <a:rPr lang="en-IN" dirty="0" smtClean="0"/>
+              <a:t> has a blank string it will still </a:t>
+            </a:r>
+            <a:r>
+              <a:rPr lang="en-IN" dirty="0" err="1" smtClean="0"/>
+              <a:t>fallback</a:t>
+            </a:r>
+            <a:r>
+              <a:rPr lang="en-IN" dirty="0" smtClean="0"/>
+              <a:t> to Default</a:t>
+            </a:r>
+          </a:p>
+          <a:p>
+            <a:r>
+              <a:rPr lang="en-IN" dirty="0" err="1" smtClean="0"/>
+              <a:t>Nullish</a:t>
+            </a:r>
+            <a:r>
+              <a:rPr lang="en-IN" dirty="0" smtClean="0"/>
+              <a:t> coalescing on the other hand will only </a:t>
+            </a:r>
+            <a:r>
+              <a:rPr lang="en-IN" dirty="0" err="1" smtClean="0"/>
+              <a:t>fallback</a:t>
+            </a:r>
+            <a:r>
+              <a:rPr lang="en-IN" dirty="0" smtClean="0"/>
+              <a:t> if the value is undefined or null </a:t>
+            </a:r>
+          </a:p>
+        </p:txBody>
+      </p:sp>
+    </p:spTree>
+    <p:extLst>
+      <p:ext uri="{BB962C8B-B14F-4D97-AF65-F5344CB8AC3E}">
+        <p14:creationId xmlns:p14="http://schemas.microsoft.com/office/powerpoint/2010/main" val="282860214"/>
+      </p:ext>
+    </p:extLst>
+  </p:cSld>
+  <p:clrMapOvr>
+    <a:masterClrMapping/>
+  </p:clrMapOvr>
+</p:sld>
+</file>
+
+<file path=ppt/slides/slide78.xml><?xml version="1.0" encoding="utf-8"?>
+<p:sld xmlns:a="http://schemas.openxmlformats.org/drawingml/2006/main" xmlns:r="http://schemas.openxmlformats.org/officeDocument/2006/relationships" xmlns:p="http://schemas.openxmlformats.org/presentationml/2006/main">
+  <p:cSld>
+    <p:spTree>
+      <p:nvGrpSpPr>
+        <p:cNvPr id="1" name=""/>
+        <p:cNvGrpSpPr/>
+        <p:nvPr/>
+      </p:nvGrpSpPr>
+      <p:grpSpPr>
+        <a:xfrm>
+          <a:off x="0" y="0"/>
+          <a:ext cx="0" cy="0"/>
+          <a:chOff x="0" y="0"/>
+          <a:chExt cx="0" cy="0"/>
+        </a:xfrm>
+      </p:grpSpPr>
+      <p:sp>
+        <p:nvSpPr>
+          <p:cNvPr id="2" name="Title 1"/>
+          <p:cNvSpPr>
+            <a:spLocks noGrp="1"/>
+          </p:cNvSpPr>
+          <p:nvPr>
+            <p:ph type="title"/>
+          </p:nvPr>
+        </p:nvSpPr>
+        <p:spPr>
+          <a:xfrm>
+            <a:off x="677334" y="609600"/>
+            <a:ext cx="8596668" cy="948267"/>
+          </a:xfrm>
+        </p:spPr>
+        <p:txBody>
+          <a:bodyPr/>
+          <a:lstStyle/>
+          <a:p>
+            <a:r>
+              <a:rPr lang="en-IN" dirty="0" smtClean="0"/>
+              <a:t>Useful links</a:t>
+            </a:r>
+            <a:endParaRPr lang="en-GB" dirty="0"/>
+          </a:p>
+        </p:txBody>
+      </p:sp>
+      <p:sp>
+        <p:nvSpPr>
+          <p:cNvPr id="3" name="Content Placeholder 2"/>
+          <p:cNvSpPr>
+            <a:spLocks noGrp="1"/>
+          </p:cNvSpPr>
+          <p:nvPr>
+            <p:ph idx="1"/>
+          </p:nvPr>
+        </p:nvSpPr>
+        <p:spPr>
+          <a:xfrm>
+            <a:off x="677334" y="1557867"/>
+            <a:ext cx="8596668" cy="4483495"/>
+          </a:xfrm>
+        </p:spPr>
+        <p:txBody>
+          <a:bodyPr/>
+          <a:lstStyle/>
+          <a:p>
+            <a:r>
+              <a:rPr lang="en-IN" dirty="0"/>
+              <a:t>These links might also be interesting:</a:t>
+            </a:r>
+          </a:p>
+          <a:p>
+            <a:r>
+              <a:rPr lang="en-IN" dirty="0" smtClean="0"/>
+              <a:t>TS </a:t>
+            </a:r>
+            <a:r>
+              <a:rPr lang="en-IN" dirty="0" smtClean="0"/>
+              <a:t>Docs:</a:t>
+            </a:r>
+            <a:r>
+              <a:rPr lang="en-GB" dirty="0">
+                <a:hlinkClick r:id="rId2"/>
+              </a:rPr>
+              <a:t>https</a:t>
+            </a:r>
+            <a:r>
+              <a:rPr lang="en-GB">
+                <a:hlinkClick r:id="rId2"/>
+              </a:rPr>
+              <a:t>://</a:t>
+            </a:r>
+            <a:r>
+              <a:rPr lang="en-GB" smtClean="0">
+                <a:hlinkClick r:id="rId2"/>
+              </a:rPr>
+              <a:t>www.typescriptlang.org/docs/handbook/advanced-types.html</a:t>
+            </a:r>
+            <a:endParaRPr lang="en-GB" dirty="0" smtClean="0"/>
+          </a:p>
+        </p:txBody>
+      </p:sp>
+    </p:spTree>
+    <p:extLst>
+      <p:ext uri="{BB962C8B-B14F-4D97-AF65-F5344CB8AC3E}">
+        <p14:creationId xmlns:p14="http://schemas.microsoft.com/office/powerpoint/2010/main" val="2632828795"/>
+      </p:ext>
+    </p:extLst>
+  </p:cSld>
+  <p:clrMapOvr>
+    <a:masterClrMapping/>
+  </p:clrMapOvr>
+</p:sld>
+</file>
+
+<file path=ppt/slides/slide79.xml><?xml version="1.0" encoding="utf-8"?>
+<p:sld xmlns:a="http://schemas.openxmlformats.org/drawingml/2006/main" xmlns:r="http://schemas.openxmlformats.org/officeDocument/2006/relationships" xmlns:p="http://schemas.openxmlformats.org/presentationml/2006/main">
+  <p:cSld>
+    <p:spTree>
+      <p:nvGrpSpPr>
+        <p:cNvPr id="1" name=""/>
+        <p:cNvGrpSpPr/>
+        <p:nvPr/>
+      </p:nvGrpSpPr>
+      <p:grpSpPr>
+        <a:xfrm>
+          <a:off x="0" y="0"/>
+          <a:ext cx="0" cy="0"/>
+          <a:chOff x="0" y="0"/>
+          <a:chExt cx="0" cy="0"/>
+        </a:xfrm>
+      </p:grpSpPr>
+      <p:sp>
+        <p:nvSpPr>
           <p:cNvPr id="3" name="Content Placeholder 2"/>
           <p:cNvSpPr>
             <a:spLocks noGrp="1"/>
